--- a/final-project/slide/img/img.pptx
+++ b/final-project/slide/img/img.pptx
@@ -207,7 +207,7 @@
           <a:p>
             <a:fld id="{5DF3E262-87A9-4FD0-801D-11C30F528353}" type="datetimeFigureOut">
               <a:rPr lang="zh-TW" altLang="en-US" smtClean="0"/>
-              <a:t>2021/6/10</a:t>
+              <a:t>2021/6/30</a:t>
             </a:fld>
             <a:endParaRPr lang="zh-TW" altLang="en-US"/>
           </a:p>
@@ -1530,7 +1530,7 @@
           <a:p>
             <a:fld id="{3E906AA8-AB23-40FA-BFDB-6A33FBF1CFF0}" type="datetimeFigureOut">
               <a:rPr lang="zh-TW" altLang="en-US" smtClean="0"/>
-              <a:t>2021/6/10</a:t>
+              <a:t>2021/6/30</a:t>
             </a:fld>
             <a:endParaRPr lang="zh-TW" altLang="en-US"/>
           </a:p>
@@ -1700,7 +1700,7 @@
           <a:p>
             <a:fld id="{3E906AA8-AB23-40FA-BFDB-6A33FBF1CFF0}" type="datetimeFigureOut">
               <a:rPr lang="zh-TW" altLang="en-US" smtClean="0"/>
-              <a:t>2021/6/10</a:t>
+              <a:t>2021/6/30</a:t>
             </a:fld>
             <a:endParaRPr lang="zh-TW" altLang="en-US"/>
           </a:p>
@@ -1880,7 +1880,7 @@
           <a:p>
             <a:fld id="{3E906AA8-AB23-40FA-BFDB-6A33FBF1CFF0}" type="datetimeFigureOut">
               <a:rPr lang="zh-TW" altLang="en-US" smtClean="0"/>
-              <a:t>2021/6/10</a:t>
+              <a:t>2021/6/30</a:t>
             </a:fld>
             <a:endParaRPr lang="zh-TW" altLang="en-US"/>
           </a:p>
@@ -2050,7 +2050,7 @@
           <a:p>
             <a:fld id="{3E906AA8-AB23-40FA-BFDB-6A33FBF1CFF0}" type="datetimeFigureOut">
               <a:rPr lang="zh-TW" altLang="en-US" smtClean="0"/>
-              <a:t>2021/6/10</a:t>
+              <a:t>2021/6/30</a:t>
             </a:fld>
             <a:endParaRPr lang="zh-TW" altLang="en-US"/>
           </a:p>
@@ -2294,7 +2294,7 @@
           <a:p>
             <a:fld id="{3E906AA8-AB23-40FA-BFDB-6A33FBF1CFF0}" type="datetimeFigureOut">
               <a:rPr lang="zh-TW" altLang="en-US" smtClean="0"/>
-              <a:t>2021/6/10</a:t>
+              <a:t>2021/6/30</a:t>
             </a:fld>
             <a:endParaRPr lang="zh-TW" altLang="en-US"/>
           </a:p>
@@ -2526,7 +2526,7 @@
           <a:p>
             <a:fld id="{3E906AA8-AB23-40FA-BFDB-6A33FBF1CFF0}" type="datetimeFigureOut">
               <a:rPr lang="zh-TW" altLang="en-US" smtClean="0"/>
-              <a:t>2021/6/10</a:t>
+              <a:t>2021/6/30</a:t>
             </a:fld>
             <a:endParaRPr lang="zh-TW" altLang="en-US"/>
           </a:p>
@@ -2893,7 +2893,7 @@
           <a:p>
             <a:fld id="{3E906AA8-AB23-40FA-BFDB-6A33FBF1CFF0}" type="datetimeFigureOut">
               <a:rPr lang="zh-TW" altLang="en-US" smtClean="0"/>
-              <a:t>2021/6/10</a:t>
+              <a:t>2021/6/30</a:t>
             </a:fld>
             <a:endParaRPr lang="zh-TW" altLang="en-US"/>
           </a:p>
@@ -3011,7 +3011,7 @@
           <a:p>
             <a:fld id="{3E906AA8-AB23-40FA-BFDB-6A33FBF1CFF0}" type="datetimeFigureOut">
               <a:rPr lang="zh-TW" altLang="en-US" smtClean="0"/>
-              <a:t>2021/6/10</a:t>
+              <a:t>2021/6/30</a:t>
             </a:fld>
             <a:endParaRPr lang="zh-TW" altLang="en-US"/>
           </a:p>
@@ -3106,7 +3106,7 @@
           <a:p>
             <a:fld id="{3E906AA8-AB23-40FA-BFDB-6A33FBF1CFF0}" type="datetimeFigureOut">
               <a:rPr lang="zh-TW" altLang="en-US" smtClean="0"/>
-              <a:t>2021/6/10</a:t>
+              <a:t>2021/6/30</a:t>
             </a:fld>
             <a:endParaRPr lang="zh-TW" altLang="en-US"/>
           </a:p>
@@ -3383,7 +3383,7 @@
           <a:p>
             <a:fld id="{3E906AA8-AB23-40FA-BFDB-6A33FBF1CFF0}" type="datetimeFigureOut">
               <a:rPr lang="zh-TW" altLang="en-US" smtClean="0"/>
-              <a:t>2021/6/10</a:t>
+              <a:t>2021/6/30</a:t>
             </a:fld>
             <a:endParaRPr lang="zh-TW" altLang="en-US"/>
           </a:p>
@@ -3640,7 +3640,7 @@
           <a:p>
             <a:fld id="{3E906AA8-AB23-40FA-BFDB-6A33FBF1CFF0}" type="datetimeFigureOut">
               <a:rPr lang="zh-TW" altLang="en-US" smtClean="0"/>
-              <a:t>2021/6/10</a:t>
+              <a:t>2021/6/30</a:t>
             </a:fld>
             <a:endParaRPr lang="zh-TW" altLang="en-US"/>
           </a:p>
@@ -3853,7 +3853,7 @@
           <a:p>
             <a:fld id="{3E906AA8-AB23-40FA-BFDB-6A33FBF1CFF0}" type="datetimeFigureOut">
               <a:rPr lang="zh-TW" altLang="en-US" smtClean="0"/>
-              <a:t>2021/6/10</a:t>
+              <a:t>2021/6/30</a:t>
             </a:fld>
             <a:endParaRPr lang="zh-TW" altLang="en-US"/>
           </a:p>
@@ -5601,7 +5601,7 @@
           <p:nvPr>
             <p:extLst>
               <p:ext uri="{D42A27DB-BD31-4B8C-83A1-F6EECF244321}">
-                <p14:modId xmlns:p14="http://schemas.microsoft.com/office/powerpoint/2010/main" val="3084455403"/>
+                <p14:modId xmlns:p14="http://schemas.microsoft.com/office/powerpoint/2010/main" val="125010703"/>
               </p:ext>
             </p:extLst>
           </p:nvPr>
@@ -5649,7 +5649,16 @@
                           </a:solidFill>
                           <a:latin typeface="Source Code Pro" panose="020B0509030403020204" pitchFamily="49" charset="0"/>
                         </a:rPr>
-                        <a:t>Conlv1d(128,64,3)</a:t>
+                        <a:t>Conv1d(128,64,3</a:t>
+                      </a:r>
+                      <a:r>
+                        <a:rPr lang="en-US" altLang="zh-TW" sz="4000" b="0" dirty="0" smtClean="0">
+                          <a:solidFill>
+                            <a:srgbClr val="FFEBCD"/>
+                          </a:solidFill>
+                          <a:latin typeface="Source Code Pro" panose="020B0509030403020204" pitchFamily="49" charset="0"/>
+                        </a:rPr>
+                        <a:t>)</a:t>
                       </a:r>
                       <a:endParaRPr lang="zh-TW" altLang="en-US" sz="4000" b="0" dirty="0" smtClean="0">
                         <a:solidFill>
@@ -7432,7 +7441,7 @@
           <p:nvPr>
             <p:extLst>
               <p:ext uri="{D42A27DB-BD31-4B8C-83A1-F6EECF244321}">
-                <p14:modId xmlns:p14="http://schemas.microsoft.com/office/powerpoint/2010/main" val="2156001703"/>
+                <p14:modId xmlns:p14="http://schemas.microsoft.com/office/powerpoint/2010/main" val="2883233562"/>
               </p:ext>
             </p:extLst>
           </p:nvPr>
@@ -7480,7 +7489,16 @@
                           </a:solidFill>
                           <a:latin typeface="Source Code Pro" panose="020B0509030403020204" pitchFamily="49" charset="0"/>
                         </a:rPr>
-                        <a:t>Conlv1d(128,64,3)</a:t>
+                        <a:t>Conv1d(128,64,3</a:t>
+                      </a:r>
+                      <a:r>
+                        <a:rPr lang="en-US" altLang="zh-TW" sz="4000" b="0" dirty="0" smtClean="0">
+                          <a:solidFill>
+                            <a:srgbClr val="FFEBCD"/>
+                          </a:solidFill>
+                          <a:latin typeface="Source Code Pro" panose="020B0509030403020204" pitchFamily="49" charset="0"/>
+                        </a:rPr>
+                        <a:t>)</a:t>
                       </a:r>
                       <a:endParaRPr lang="zh-TW" altLang="en-US" sz="4000" b="0" dirty="0" smtClean="0">
                         <a:solidFill>
@@ -9871,8 +9889,8 @@
           </p:sp>
         </mc:Fallback>
       </mc:AlternateContent>
-      <mc:AlternateContent xmlns:mc="http://schemas.openxmlformats.org/markup-compatibility/2006">
-        <mc:Choice xmlns:a14="http://schemas.microsoft.com/office/drawing/2010/main" Requires="a14">
+      <mc:AlternateContent xmlns:mc="http://schemas.openxmlformats.org/markup-compatibility/2006" xmlns:a14="http://schemas.microsoft.com/office/drawing/2010/main">
+        <mc:Choice Requires="a14">
           <p:sp>
             <p:nvSpPr>
               <p:cNvPr id="6" name="文字方塊 5"/>
@@ -10553,7 +10571,7 @@
             </p:txBody>
           </p:sp>
         </mc:Choice>
-        <mc:Fallback>
+        <mc:Fallback xmlns="">
           <p:sp>
             <p:nvSpPr>
               <p:cNvPr id="6" name="文字方塊 5"/>
